--- a/懶人對發票機.pptx
+++ b/懶人對發票機.pptx
@@ -7,8 +7,8 @@
   <p:sldIdLst>
     <p:sldId id="256" r:id="rId2"/>
     <p:sldId id="257" r:id="rId3"/>
-    <p:sldId id="259" r:id="rId4"/>
-    <p:sldId id="258" r:id="rId5"/>
+    <p:sldId id="258" r:id="rId4"/>
+    <p:sldId id="259" r:id="rId5"/>
     <p:sldId id="260" r:id="rId6"/>
   </p:sldIdLst>
   <p:sldSz cx="12192000" cy="6858000"/>
@@ -108,6 +108,11 @@
       </a:defRPr>
     </a:lvl9pPr>
   </p:defaultTextStyle>
+  <p:extLst>
+    <p:ext uri="{EFAFB233-063F-42B5-8137-9DF3F51BA10A}">
+      <p15:sldGuideLst xmlns:p15="http://schemas.microsoft.com/office/powerpoint/2012/main"/>
+    </p:ext>
+  </p:extLst>
 </p:presentation>
 </file>
 
@@ -282,7 +287,7 @@
           <a:p>
             <a:fld id="{71651517-E4E6-4DFA-ADFD-6105FA68FB78}" type="datetimeFigureOut">
               <a:rPr lang="zh-TW" altLang="en-US" smtClean="0"/>
-              <a:t>2016/8/4</a:t>
+              <a:t>2016/8/5</a:t>
             </a:fld>
             <a:endParaRPr lang="zh-TW" altLang="en-US"/>
           </a:p>
@@ -340,6 +345,18 @@
   <p:clrMapOvr>
     <a:masterClrMapping/>
   </p:clrMapOvr>
+  <mc:AlternateContent xmlns:mc="http://schemas.openxmlformats.org/markup-compatibility/2006">
+    <mc:Choice xmlns:p14="http://schemas.microsoft.com/office/powerpoint/2010/main" Requires="p14">
+      <p:transition spd="slow" p14:dur="2000">
+        <p14:vortex dir="r"/>
+      </p:transition>
+    </mc:Choice>
+    <mc:Fallback>
+      <p:transition spd="slow">
+        <p:fade/>
+      </p:transition>
+    </mc:Fallback>
+  </mc:AlternateContent>
 </p:sldLayout>
 </file>
 
@@ -594,7 +611,7 @@
           <a:p>
             <a:fld id="{71651517-E4E6-4DFA-ADFD-6105FA68FB78}" type="datetimeFigureOut">
               <a:rPr lang="zh-TW" altLang="en-US" smtClean="0"/>
-              <a:t>2016/8/4</a:t>
+              <a:t>2016/8/5</a:t>
             </a:fld>
             <a:endParaRPr lang="zh-TW" altLang="en-US"/>
           </a:p>
@@ -652,6 +669,18 @@
   <p:clrMapOvr>
     <a:masterClrMapping/>
   </p:clrMapOvr>
+  <mc:AlternateContent xmlns:mc="http://schemas.openxmlformats.org/markup-compatibility/2006">
+    <mc:Choice xmlns:p14="http://schemas.microsoft.com/office/powerpoint/2010/main" Requires="p14">
+      <p:transition spd="slow" p14:dur="2000">
+        <p14:vortex dir="r"/>
+      </p:transition>
+    </mc:Choice>
+    <mc:Fallback>
+      <p:transition spd="slow">
+        <p:fade/>
+      </p:transition>
+    </mc:Fallback>
+  </mc:AlternateContent>
 </p:sldLayout>
 </file>
 
@@ -816,7 +845,7 @@
           <a:p>
             <a:fld id="{71651517-E4E6-4DFA-ADFD-6105FA68FB78}" type="datetimeFigureOut">
               <a:rPr lang="zh-TW" altLang="en-US" smtClean="0"/>
-              <a:t>2016/8/4</a:t>
+              <a:t>2016/8/5</a:t>
             </a:fld>
             <a:endParaRPr lang="zh-TW" altLang="en-US"/>
           </a:p>
@@ -874,6 +903,18 @@
   <p:clrMapOvr>
     <a:masterClrMapping/>
   </p:clrMapOvr>
+  <mc:AlternateContent xmlns:mc="http://schemas.openxmlformats.org/markup-compatibility/2006">
+    <mc:Choice xmlns:p14="http://schemas.microsoft.com/office/powerpoint/2010/main" Requires="p14">
+      <p:transition spd="slow" p14:dur="2000">
+        <p14:vortex dir="r"/>
+      </p:transition>
+    </mc:Choice>
+    <mc:Fallback>
+      <p:transition spd="slow">
+        <p:fade/>
+      </p:transition>
+    </mc:Fallback>
+  </mc:AlternateContent>
 </p:sldLayout>
 </file>
 
@@ -1107,7 +1148,7 @@
           <a:p>
             <a:fld id="{71651517-E4E6-4DFA-ADFD-6105FA68FB78}" type="datetimeFigureOut">
               <a:rPr lang="zh-TW" altLang="en-US" smtClean="0"/>
-              <a:t>2016/8/4</a:t>
+              <a:t>2016/8/5</a:t>
             </a:fld>
             <a:endParaRPr lang="zh-TW" altLang="en-US"/>
           </a:p>
@@ -1397,6 +1438,18 @@
   <p:clrMapOvr>
     <a:masterClrMapping/>
   </p:clrMapOvr>
+  <mc:AlternateContent xmlns:mc="http://schemas.openxmlformats.org/markup-compatibility/2006">
+    <mc:Choice xmlns:p14="http://schemas.microsoft.com/office/powerpoint/2010/main" Requires="p14">
+      <p:transition spd="slow" p14:dur="2000">
+        <p14:vortex dir="r"/>
+      </p:transition>
+    </mc:Choice>
+    <mc:Fallback>
+      <p:transition spd="slow">
+        <p:fade/>
+      </p:transition>
+    </mc:Fallback>
+  </mc:AlternateContent>
 </p:sldLayout>
 </file>
 
@@ -1561,7 +1614,7 @@
           <a:p>
             <a:fld id="{71651517-E4E6-4DFA-ADFD-6105FA68FB78}" type="datetimeFigureOut">
               <a:rPr lang="zh-TW" altLang="en-US" smtClean="0"/>
-              <a:t>2016/8/4</a:t>
+              <a:t>2016/8/5</a:t>
             </a:fld>
             <a:endParaRPr lang="zh-TW" altLang="en-US"/>
           </a:p>
@@ -1619,6 +1672,18 @@
   <p:clrMapOvr>
     <a:masterClrMapping/>
   </p:clrMapOvr>
+  <mc:AlternateContent xmlns:mc="http://schemas.openxmlformats.org/markup-compatibility/2006">
+    <mc:Choice xmlns:p14="http://schemas.microsoft.com/office/powerpoint/2010/main" Requires="p14">
+      <p:transition spd="slow" p14:dur="2000">
+        <p14:vortex dir="r"/>
+      </p:transition>
+    </mc:Choice>
+    <mc:Fallback>
+      <p:transition spd="slow">
+        <p:fade/>
+      </p:transition>
+    </mc:Fallback>
+  </mc:AlternateContent>
 </p:sldLayout>
 </file>
 
@@ -2137,7 +2202,7 @@
           <a:p>
             <a:fld id="{71651517-E4E6-4DFA-ADFD-6105FA68FB78}" type="datetimeFigureOut">
               <a:rPr lang="zh-TW" altLang="en-US" smtClean="0"/>
-              <a:t>2016/8/4</a:t>
+              <a:t>2016/8/5</a:t>
             </a:fld>
             <a:endParaRPr lang="zh-TW" altLang="en-US"/>
           </a:p>
@@ -2195,6 +2260,18 @@
   <p:clrMapOvr>
     <a:masterClrMapping/>
   </p:clrMapOvr>
+  <mc:AlternateContent xmlns:mc="http://schemas.openxmlformats.org/markup-compatibility/2006">
+    <mc:Choice xmlns:p14="http://schemas.microsoft.com/office/powerpoint/2010/main" Requires="p14">
+      <p:transition spd="slow" p14:dur="2000">
+        <p14:vortex dir="r"/>
+      </p:transition>
+    </mc:Choice>
+    <mc:Fallback>
+      <p:transition spd="slow">
+        <p:fade/>
+      </p:transition>
+    </mc:Fallback>
+  </mc:AlternateContent>
 </p:sldLayout>
 </file>
 
@@ -2989,7 +3066,7 @@
           <a:p>
             <a:fld id="{71651517-E4E6-4DFA-ADFD-6105FA68FB78}" type="datetimeFigureOut">
               <a:rPr lang="zh-TW" altLang="en-US" smtClean="0"/>
-              <a:t>2016/8/4</a:t>
+              <a:t>2016/8/5</a:t>
             </a:fld>
             <a:endParaRPr lang="zh-TW" altLang="en-US"/>
           </a:p>
@@ -3047,6 +3124,18 @@
   <p:clrMapOvr>
     <a:masterClrMapping/>
   </p:clrMapOvr>
+  <mc:AlternateContent xmlns:mc="http://schemas.openxmlformats.org/markup-compatibility/2006">
+    <mc:Choice xmlns:p14="http://schemas.microsoft.com/office/powerpoint/2010/main" Requires="p14">
+      <p:transition spd="slow" p14:dur="2000">
+        <p14:vortex dir="r"/>
+      </p:transition>
+    </mc:Choice>
+    <mc:Fallback>
+      <p:transition spd="slow">
+        <p:fade/>
+      </p:transition>
+    </mc:Fallback>
+  </mc:AlternateContent>
 </p:sldLayout>
 </file>
 
@@ -3194,7 +3283,7 @@
           <a:p>
             <a:fld id="{71651517-E4E6-4DFA-ADFD-6105FA68FB78}" type="datetimeFigureOut">
               <a:rPr lang="zh-TW" altLang="en-US" smtClean="0"/>
-              <a:t>2016/8/4</a:t>
+              <a:t>2016/8/5</a:t>
             </a:fld>
             <a:endParaRPr lang="zh-TW" altLang="en-US"/>
           </a:p>
@@ -3252,6 +3341,18 @@
   <p:clrMapOvr>
     <a:masterClrMapping/>
   </p:clrMapOvr>
+  <mc:AlternateContent xmlns:mc="http://schemas.openxmlformats.org/markup-compatibility/2006">
+    <mc:Choice xmlns:p14="http://schemas.microsoft.com/office/powerpoint/2010/main" Requires="p14">
+      <p:transition spd="slow" p14:dur="2000">
+        <p14:vortex dir="r"/>
+      </p:transition>
+    </mc:Choice>
+    <mc:Fallback>
+      <p:transition spd="slow">
+        <p:fade/>
+      </p:transition>
+    </mc:Fallback>
+  </mc:AlternateContent>
 </p:sldLayout>
 </file>
 
@@ -3408,7 +3509,7 @@
           <a:p>
             <a:fld id="{71651517-E4E6-4DFA-ADFD-6105FA68FB78}" type="datetimeFigureOut">
               <a:rPr lang="zh-TW" altLang="en-US" smtClean="0"/>
-              <a:t>2016/8/4</a:t>
+              <a:t>2016/8/5</a:t>
             </a:fld>
             <a:endParaRPr lang="zh-TW" altLang="en-US"/>
           </a:p>
@@ -3466,6 +3567,18 @@
   <p:clrMapOvr>
     <a:masterClrMapping/>
   </p:clrMapOvr>
+  <mc:AlternateContent xmlns:mc="http://schemas.openxmlformats.org/markup-compatibility/2006">
+    <mc:Choice xmlns:p14="http://schemas.microsoft.com/office/powerpoint/2010/main" Requires="p14">
+      <p:transition spd="slow" p14:dur="2000">
+        <p14:vortex dir="r"/>
+      </p:transition>
+    </mc:Choice>
+    <mc:Fallback>
+      <p:transition spd="slow">
+        <p:fade/>
+      </p:transition>
+    </mc:Fallback>
+  </mc:AlternateContent>
 </p:sldLayout>
 </file>
 
@@ -3613,7 +3726,7 @@
           <a:p>
             <a:fld id="{71651517-E4E6-4DFA-ADFD-6105FA68FB78}" type="datetimeFigureOut">
               <a:rPr lang="zh-TW" altLang="en-US" smtClean="0"/>
-              <a:t>2016/8/4</a:t>
+              <a:t>2016/8/5</a:t>
             </a:fld>
             <a:endParaRPr lang="zh-TW" altLang="en-US"/>
           </a:p>
@@ -3671,6 +3784,18 @@
   <p:clrMapOvr>
     <a:masterClrMapping/>
   </p:clrMapOvr>
+  <mc:AlternateContent xmlns:mc="http://schemas.openxmlformats.org/markup-compatibility/2006">
+    <mc:Choice xmlns:p14="http://schemas.microsoft.com/office/powerpoint/2010/main" Requires="p14">
+      <p:transition spd="slow" p14:dur="2000">
+        <p14:vortex dir="r"/>
+      </p:transition>
+    </mc:Choice>
+    <mc:Fallback>
+      <p:transition spd="slow">
+        <p:fade/>
+      </p:transition>
+    </mc:Fallback>
+  </mc:AlternateContent>
 </p:sldLayout>
 </file>
 
@@ -3893,7 +4018,7 @@
           <a:p>
             <a:fld id="{71651517-E4E6-4DFA-ADFD-6105FA68FB78}" type="datetimeFigureOut">
               <a:rPr lang="zh-TW" altLang="en-US" smtClean="0"/>
-              <a:t>2016/8/4</a:t>
+              <a:t>2016/8/5</a:t>
             </a:fld>
             <a:endParaRPr lang="zh-TW" altLang="en-US"/>
           </a:p>
@@ -3951,6 +4076,18 @@
   <p:clrMapOvr>
     <a:masterClrMapping/>
   </p:clrMapOvr>
+  <mc:AlternateContent xmlns:mc="http://schemas.openxmlformats.org/markup-compatibility/2006">
+    <mc:Choice xmlns:p14="http://schemas.microsoft.com/office/powerpoint/2010/main" Requires="p14">
+      <p:transition spd="slow" p14:dur="2000">
+        <p14:vortex dir="r"/>
+      </p:transition>
+    </mc:Choice>
+    <mc:Fallback>
+      <p:transition spd="slow">
+        <p:fade/>
+      </p:transition>
+    </mc:Fallback>
+  </mc:AlternateContent>
 </p:sldLayout>
 </file>
 
@@ -4160,7 +4297,7 @@
           <a:p>
             <a:fld id="{71651517-E4E6-4DFA-ADFD-6105FA68FB78}" type="datetimeFigureOut">
               <a:rPr lang="zh-TW" altLang="en-US" smtClean="0"/>
-              <a:t>2016/8/4</a:t>
+              <a:t>2016/8/5</a:t>
             </a:fld>
             <a:endParaRPr lang="zh-TW" altLang="en-US"/>
           </a:p>
@@ -4218,6 +4355,18 @@
   <p:clrMapOvr>
     <a:masterClrMapping/>
   </p:clrMapOvr>
+  <mc:AlternateContent xmlns:mc="http://schemas.openxmlformats.org/markup-compatibility/2006">
+    <mc:Choice xmlns:p14="http://schemas.microsoft.com/office/powerpoint/2010/main" Requires="p14">
+      <p:transition spd="slow" p14:dur="2000">
+        <p14:vortex dir="r"/>
+      </p:transition>
+    </mc:Choice>
+    <mc:Fallback>
+      <p:transition spd="slow">
+        <p:fade/>
+      </p:transition>
+    </mc:Fallback>
+  </mc:AlternateContent>
 </p:sldLayout>
 </file>
 
@@ -4575,7 +4724,7 @@
           <a:p>
             <a:fld id="{71651517-E4E6-4DFA-ADFD-6105FA68FB78}" type="datetimeFigureOut">
               <a:rPr lang="zh-TW" altLang="en-US" smtClean="0"/>
-              <a:t>2016/8/4</a:t>
+              <a:t>2016/8/5</a:t>
             </a:fld>
             <a:endParaRPr lang="zh-TW" altLang="en-US"/>
           </a:p>
@@ -4633,6 +4782,18 @@
   <p:clrMapOvr>
     <a:masterClrMapping/>
   </p:clrMapOvr>
+  <mc:AlternateContent xmlns:mc="http://schemas.openxmlformats.org/markup-compatibility/2006">
+    <mc:Choice xmlns:p14="http://schemas.microsoft.com/office/powerpoint/2010/main" Requires="p14">
+      <p:transition spd="slow" p14:dur="2000">
+        <p14:vortex dir="r"/>
+      </p:transition>
+    </mc:Choice>
+    <mc:Fallback>
+      <p:transition spd="slow">
+        <p:fade/>
+      </p:transition>
+    </mc:Fallback>
+  </mc:AlternateContent>
 </p:sldLayout>
 </file>
 
@@ -4723,7 +4884,7 @@
           <a:p>
             <a:fld id="{71651517-E4E6-4DFA-ADFD-6105FA68FB78}" type="datetimeFigureOut">
               <a:rPr lang="zh-TW" altLang="en-US" smtClean="0"/>
-              <a:t>2016/8/4</a:t>
+              <a:t>2016/8/5</a:t>
             </a:fld>
             <a:endParaRPr lang="zh-TW" altLang="en-US"/>
           </a:p>
@@ -4781,6 +4942,18 @@
   <p:clrMapOvr>
     <a:masterClrMapping/>
   </p:clrMapOvr>
+  <mc:AlternateContent xmlns:mc="http://schemas.openxmlformats.org/markup-compatibility/2006">
+    <mc:Choice xmlns:p14="http://schemas.microsoft.com/office/powerpoint/2010/main" Requires="p14">
+      <p:transition spd="slow" p14:dur="2000">
+        <p14:vortex dir="r"/>
+      </p:transition>
+    </mc:Choice>
+    <mc:Fallback>
+      <p:transition spd="slow">
+        <p:fade/>
+      </p:transition>
+    </mc:Fallback>
+  </mc:AlternateContent>
 </p:sldLayout>
 </file>
 
@@ -4848,7 +5021,7 @@
           <a:p>
             <a:fld id="{71651517-E4E6-4DFA-ADFD-6105FA68FB78}" type="datetimeFigureOut">
               <a:rPr lang="zh-TW" altLang="en-US" smtClean="0"/>
-              <a:t>2016/8/4</a:t>
+              <a:t>2016/8/5</a:t>
             </a:fld>
             <a:endParaRPr lang="zh-TW" altLang="en-US"/>
           </a:p>
@@ -4906,6 +5079,18 @@
   <p:clrMapOvr>
     <a:masterClrMapping/>
   </p:clrMapOvr>
+  <mc:AlternateContent xmlns:mc="http://schemas.openxmlformats.org/markup-compatibility/2006">
+    <mc:Choice xmlns:p14="http://schemas.microsoft.com/office/powerpoint/2010/main" Requires="p14">
+      <p:transition spd="slow" p14:dur="2000">
+        <p14:vortex dir="r"/>
+      </p:transition>
+    </mc:Choice>
+    <mc:Fallback>
+      <p:transition spd="slow">
+        <p:fade/>
+      </p:transition>
+    </mc:Fallback>
+  </mc:AlternateContent>
 </p:sldLayout>
 </file>
 
@@ -5127,7 +5312,7 @@
           <a:p>
             <a:fld id="{71651517-E4E6-4DFA-ADFD-6105FA68FB78}" type="datetimeFigureOut">
               <a:rPr lang="zh-TW" altLang="en-US" smtClean="0"/>
-              <a:t>2016/8/4</a:t>
+              <a:t>2016/8/5</a:t>
             </a:fld>
             <a:endParaRPr lang="zh-TW" altLang="en-US"/>
           </a:p>
@@ -5185,6 +5370,18 @@
   <p:clrMapOvr>
     <a:masterClrMapping/>
   </p:clrMapOvr>
+  <mc:AlternateContent xmlns:mc="http://schemas.openxmlformats.org/markup-compatibility/2006">
+    <mc:Choice xmlns:p14="http://schemas.microsoft.com/office/powerpoint/2010/main" Requires="p14">
+      <p:transition spd="slow" p14:dur="2000">
+        <p14:vortex dir="r"/>
+      </p:transition>
+    </mc:Choice>
+    <mc:Fallback>
+      <p:transition spd="slow">
+        <p:fade/>
+      </p:transition>
+    </mc:Fallback>
+  </mc:AlternateContent>
 </p:sldLayout>
 </file>
 
@@ -5439,7 +5636,7 @@
           <a:p>
             <a:fld id="{71651517-E4E6-4DFA-ADFD-6105FA68FB78}" type="datetimeFigureOut">
               <a:rPr lang="zh-TW" altLang="en-US" smtClean="0"/>
-              <a:t>2016/8/4</a:t>
+              <a:t>2016/8/5</a:t>
             </a:fld>
             <a:endParaRPr lang="zh-TW" altLang="en-US"/>
           </a:p>
@@ -5497,6 +5694,18 @@
   <p:clrMapOvr>
     <a:masterClrMapping/>
   </p:clrMapOvr>
+  <mc:AlternateContent xmlns:mc="http://schemas.openxmlformats.org/markup-compatibility/2006">
+    <mc:Choice xmlns:p14="http://schemas.microsoft.com/office/powerpoint/2010/main" Requires="p14">
+      <p:transition spd="slow" p14:dur="2000">
+        <p14:vortex dir="r"/>
+      </p:transition>
+    </mc:Choice>
+    <mc:Fallback>
+      <p:transition spd="slow">
+        <p:fade/>
+      </p:transition>
+    </mc:Fallback>
+  </mc:AlternateContent>
 </p:sldLayout>
 </file>
 
@@ -5692,7 +5901,7 @@
           <a:p>
             <a:fld id="{71651517-E4E6-4DFA-ADFD-6105FA68FB78}" type="datetimeFigureOut">
               <a:rPr lang="zh-TW" altLang="en-US" smtClean="0"/>
-              <a:t>2016/8/4</a:t>
+              <a:t>2016/8/5</a:t>
             </a:fld>
             <a:endParaRPr lang="zh-TW" altLang="en-US"/>
           </a:p>
@@ -5799,6 +6008,18 @@
     <p:sldLayoutId id="2147483712" r:id="rId16"/>
     <p:sldLayoutId id="2147483713" r:id="rId17"/>
   </p:sldLayoutIdLst>
+  <mc:AlternateContent xmlns:mc="http://schemas.openxmlformats.org/markup-compatibility/2006">
+    <mc:Choice xmlns:p14="http://schemas.microsoft.com/office/powerpoint/2010/main" Requires="p14">
+      <p:transition spd="slow" p14:dur="2000">
+        <p14:vortex dir="r"/>
+      </p:transition>
+    </mc:Choice>
+    <mc:Fallback>
+      <p:transition spd="slow">
+        <p:fade/>
+      </p:transition>
+    </mc:Fallback>
+  </mc:AlternateContent>
   <p:txStyles>
     <p:titleStyle>
       <a:lvl1pPr algn="ctr" defTabSz="914400" rtl="0" eaLnBrk="1" latinLnBrk="0" hangingPunct="1">
@@ -6154,10 +6375,23 @@
           <a:lstStyle/>
           <a:p>
             <a:r>
-              <a:rPr lang="zh-TW" altLang="en-US" sz="7200" dirty="0" smtClean="0"/>
-              <a:t>懶人兌發票機</a:t>
-            </a:r>
-            <a:endParaRPr lang="zh-TW" altLang="en-US" sz="7200" dirty="0"/>
+              <a:rPr lang="zh-TW" altLang="en-US" sz="9600" dirty="0" smtClean="0">
+                <a:latin typeface="標楷體" panose="03000509000000000000" pitchFamily="65" charset="-120"/>
+                <a:ea typeface="標楷體" panose="03000509000000000000" pitchFamily="65" charset="-120"/>
+              </a:rPr>
+              <a:t>懶人對發票</a:t>
+            </a:r>
+            <a:r>
+              <a:rPr lang="zh-TW" altLang="en-US" sz="9600" dirty="0" smtClean="0">
+                <a:latin typeface="標楷體" panose="03000509000000000000" pitchFamily="65" charset="-120"/>
+                <a:ea typeface="標楷體" panose="03000509000000000000" pitchFamily="65" charset="-120"/>
+              </a:rPr>
+              <a:t>機</a:t>
+            </a:r>
+            <a:endParaRPr lang="zh-TW" altLang="en-US" sz="9600" dirty="0">
+              <a:latin typeface="標楷體" panose="03000509000000000000" pitchFamily="65" charset="-120"/>
+              <a:ea typeface="標楷體" panose="03000509000000000000" pitchFamily="65" charset="-120"/>
+            </a:endParaRPr>
           </a:p>
         </p:txBody>
       </p:sp>
@@ -6179,14 +6413,14 @@
           <a:lstStyle/>
           <a:p>
             <a:r>
-              <a:rPr lang="en-US" altLang="zh-TW" sz="2800" dirty="0" smtClean="0">
+              <a:rPr lang="en-US" altLang="zh-TW" sz="6000" dirty="0" smtClean="0">
                 <a:solidFill>
                   <a:schemeClr val="tx1"/>
                 </a:solidFill>
               </a:rPr>
               <a:t>Team NO.3</a:t>
             </a:r>
-            <a:endParaRPr lang="zh-TW" altLang="en-US" sz="2800" dirty="0">
+            <a:endParaRPr lang="zh-TW" altLang="en-US" sz="6000" dirty="0">
               <a:solidFill>
                 <a:schemeClr val="tx1"/>
               </a:solidFill>
@@ -6245,6 +6479,18 @@
   <p:clrMapOvr>
     <a:masterClrMapping/>
   </p:clrMapOvr>
+  <mc:AlternateContent xmlns:mc="http://schemas.openxmlformats.org/markup-compatibility/2006">
+    <mc:Choice xmlns:p14="http://schemas.microsoft.com/office/powerpoint/2010/main" Requires="p14">
+      <p:transition spd="slow" p14:dur="2000">
+        <p14:vortex dir="r"/>
+      </p:transition>
+    </mc:Choice>
+    <mc:Fallback>
+      <p:transition spd="slow">
+        <p:fade/>
+      </p:transition>
+    </mc:Fallback>
+  </mc:AlternateContent>
   <p:timing>
     <p:tnLst>
       <p:par>
@@ -6346,7 +6592,42 @@
                 <a:latin typeface="微軟正黑體" panose="020B0604030504040204" pitchFamily="34" charset="-120"/>
                 <a:ea typeface="微軟正黑體" panose="020B0604030504040204" pitchFamily="34" charset="-120"/>
               </a:rPr>
-              <a:t>懶惰為科技之母，懶人的夢想一直推動著科技的進步，而對發票正是令懶人頭痛的問題之一，我們希望透過幾個簡單的動作來略過看發票數字的過程</a:t>
+              <a:t>懶惰為科技之母，懶人的夢想一直推動著科技的進步，而對發票正是令懶人頭痛的問題之一，我們希望透過幾個簡單的動作</a:t>
+            </a:r>
+            <a:r>
+              <a:rPr lang="zh-TW" altLang="en-US" sz="3200" dirty="0" smtClean="0">
+                <a:latin typeface="微軟正黑體" panose="020B0604030504040204" pitchFamily="34" charset="-120"/>
+                <a:ea typeface="微軟正黑體" panose="020B0604030504040204" pitchFamily="34" charset="-120"/>
+              </a:rPr>
+              <a:t>來</a:t>
+            </a:r>
+            <a:r>
+              <a:rPr lang="zh-TW" altLang="en-US" sz="3200" dirty="0" smtClean="0">
+                <a:latin typeface="微軟正黑體" panose="020B0604030504040204" pitchFamily="34" charset="-120"/>
+                <a:ea typeface="微軟正黑體" panose="020B0604030504040204" pitchFamily="34" charset="-120"/>
+              </a:rPr>
+              <a:t>簡化</a:t>
+            </a:r>
+            <a:r>
+              <a:rPr lang="zh-TW" altLang="en-US" sz="3200" dirty="0">
+                <a:latin typeface="微軟正黑體" panose="020B0604030504040204" pitchFamily="34" charset="-120"/>
+                <a:ea typeface="微軟正黑體" panose="020B0604030504040204" pitchFamily="34" charset="-120"/>
+              </a:rPr>
+              <a:t>對</a:t>
+            </a:r>
+            <a:r>
+              <a:rPr lang="zh-TW" altLang="en-US" sz="3200" dirty="0" smtClean="0">
+                <a:latin typeface="微軟正黑體" panose="020B0604030504040204" pitchFamily="34" charset="-120"/>
+                <a:ea typeface="微軟正黑體" panose="020B0604030504040204" pitchFamily="34" charset="-120"/>
+              </a:rPr>
+              <a:t>發票</a:t>
+            </a:r>
+            <a:r>
+              <a:rPr lang="zh-TW" altLang="en-US" sz="3200" dirty="0" smtClean="0">
+                <a:latin typeface="微軟正黑體" panose="020B0604030504040204" pitchFamily="34" charset="-120"/>
+                <a:ea typeface="微軟正黑體" panose="020B0604030504040204" pitchFamily="34" charset="-120"/>
+              </a:rPr>
+              <a:t>數字的過程</a:t>
             </a:r>
             <a:endParaRPr lang="zh-TW" altLang="en-US" sz="3200" dirty="0">
               <a:latin typeface="微軟正黑體" panose="020B0604030504040204" pitchFamily="34" charset="-120"/>
@@ -6378,8 +6659,8 @@
         </p:blipFill>
         <p:spPr bwMode="auto">
           <a:xfrm>
-            <a:off x="0" y="5506995"/>
-            <a:ext cx="1351005" cy="1351005"/>
+            <a:off x="0" y="4757351"/>
+            <a:ext cx="2100649" cy="2100649"/>
           </a:xfrm>
           <a:prstGeom prst="rect">
             <a:avLst/>
@@ -6406,10 +6687,144 @@
   <p:clrMapOvr>
     <a:masterClrMapping/>
   </p:clrMapOvr>
+  <mc:AlternateContent xmlns:mc="http://schemas.openxmlformats.org/markup-compatibility/2006">
+    <mc:Choice xmlns:p14="http://schemas.microsoft.com/office/powerpoint/2010/main" Requires="p14">
+      <p:transition spd="slow" p14:dur="2000">
+        <p14:vortex dir="r"/>
+      </p:transition>
+    </mc:Choice>
+    <mc:Fallback>
+      <p:transition spd="slow">
+        <p:fade/>
+      </p:transition>
+    </mc:Fallback>
+  </mc:AlternateContent>
   <p:timing>
     <p:tnLst>
       <p:par>
-        <p:cTn id="1" dur="indefinite" restart="never" nodeType="tmRoot"/>
+        <p:cTn id="1" dur="indefinite" restart="never" nodeType="tmRoot">
+          <p:childTnLst>
+            <p:seq concurrent="1" nextAc="seek">
+              <p:cTn id="2" dur="indefinite" nodeType="mainSeq">
+                <p:childTnLst>
+                  <p:par>
+                    <p:cTn id="3" fill="hold">
+                      <p:stCondLst>
+                        <p:cond delay="indefinite"/>
+                      </p:stCondLst>
+                      <p:childTnLst>
+                        <p:par>
+                          <p:cTn id="4" fill="hold">
+                            <p:stCondLst>
+                              <p:cond delay="0"/>
+                            </p:stCondLst>
+                            <p:childTnLst>
+                              <p:par>
+                                <p:cTn id="5" presetID="27" presetClass="emph" presetSubtype="0" fill="remove" nodeType="clickEffect">
+                                  <p:stCondLst>
+                                    <p:cond delay="0"/>
+                                  </p:stCondLst>
+                                  <p:childTnLst>
+                                    <p:animClr clrSpc="rgb" dir="cw">
+                                      <p:cBhvr override="childStyle">
+                                        <p:cTn id="6" dur="250" autoRev="1" fill="remove"/>
+                                        <p:tgtEl>
+                                          <p:spTgt spid="3">
+                                            <p:txEl>
+                                              <p:pRg st="0" end="0"/>
+                                            </p:txEl>
+                                          </p:spTgt>
+                                        </p:tgtEl>
+                                        <p:attrNameLst>
+                                          <p:attrName>style.color</p:attrName>
+                                        </p:attrNameLst>
+                                      </p:cBhvr>
+                                      <p:to>
+                                        <a:schemeClr val="bg1"/>
+                                      </p:to>
+                                    </p:animClr>
+                                    <p:animClr clrSpc="rgb" dir="cw">
+                                      <p:cBhvr>
+                                        <p:cTn id="7" dur="250" autoRev="1" fill="remove"/>
+                                        <p:tgtEl>
+                                          <p:spTgt spid="3">
+                                            <p:txEl>
+                                              <p:pRg st="0" end="0"/>
+                                            </p:txEl>
+                                          </p:spTgt>
+                                        </p:tgtEl>
+                                        <p:attrNameLst>
+                                          <p:attrName>fillcolor</p:attrName>
+                                        </p:attrNameLst>
+                                      </p:cBhvr>
+                                      <p:to>
+                                        <a:schemeClr val="bg1"/>
+                                      </p:to>
+                                    </p:animClr>
+                                    <p:set>
+                                      <p:cBhvr>
+                                        <p:cTn id="8" dur="250" autoRev="1" fill="remove"/>
+                                        <p:tgtEl>
+                                          <p:spTgt spid="3">
+                                            <p:txEl>
+                                              <p:pRg st="0" end="0"/>
+                                            </p:txEl>
+                                          </p:spTgt>
+                                        </p:tgtEl>
+                                        <p:attrNameLst>
+                                          <p:attrName>fill.type</p:attrName>
+                                        </p:attrNameLst>
+                                      </p:cBhvr>
+                                      <p:to>
+                                        <p:strVal val="solid"/>
+                                      </p:to>
+                                    </p:set>
+                                    <p:set>
+                                      <p:cBhvr>
+                                        <p:cTn id="9" dur="250" autoRev="1" fill="remove"/>
+                                        <p:tgtEl>
+                                          <p:spTgt spid="3">
+                                            <p:txEl>
+                                              <p:pRg st="0" end="0"/>
+                                            </p:txEl>
+                                          </p:spTgt>
+                                        </p:tgtEl>
+                                        <p:attrNameLst>
+                                          <p:attrName>fill.on</p:attrName>
+                                        </p:attrNameLst>
+                                      </p:cBhvr>
+                                      <p:to>
+                                        <p:strVal val="true"/>
+                                      </p:to>
+                                    </p:set>
+                                  </p:childTnLst>
+                                </p:cTn>
+                              </p:par>
+                            </p:childTnLst>
+                          </p:cTn>
+                        </p:par>
+                      </p:childTnLst>
+                    </p:cTn>
+                  </p:par>
+                </p:childTnLst>
+              </p:cTn>
+              <p:prevCondLst>
+                <p:cond evt="onPrev" delay="0">
+                  <p:tgtEl>
+                    <p:sldTgt/>
+                  </p:tgtEl>
+                </p:cond>
+              </p:prevCondLst>
+              <p:nextCondLst>
+                <p:cond evt="onNext" delay="0">
+                  <p:tgtEl>
+                    <p:sldTgt/>
+                  </p:tgtEl>
+                </p:cond>
+              </p:nextCondLst>
+            </p:seq>
+          </p:childTnLst>
+        </p:cTn>
       </p:par>
     </p:tnLst>
   </p:timing>
@@ -6445,10 +6860,22 @@
         </p:nvSpPr>
         <p:spPr/>
         <p:txBody>
-          <a:bodyPr/>
-          <a:lstStyle/>
-          <a:p>
-            <a:endParaRPr lang="zh-TW" altLang="en-US" dirty="0"/>
+          <a:bodyPr>
+            <a:normAutofit/>
+          </a:bodyPr>
+          <a:lstStyle/>
+          <a:p>
+            <a:r>
+              <a:rPr lang="zh-TW" altLang="en-US" sz="8000" dirty="0" smtClean="0">
+                <a:latin typeface="標楷體" panose="03000509000000000000" pitchFamily="65" charset="-120"/>
+                <a:ea typeface="標楷體" panose="03000509000000000000" pitchFamily="65" charset="-120"/>
+              </a:rPr>
+              <a:t>運作方式</a:t>
+            </a:r>
+            <a:endParaRPr lang="zh-TW" altLang="en-US" sz="8000" dirty="0">
+              <a:latin typeface="標楷體" panose="03000509000000000000" pitchFamily="65" charset="-120"/>
+              <a:ea typeface="標楷體" panose="03000509000000000000" pitchFamily="65" charset="-120"/>
+            </a:endParaRPr>
           </a:p>
         </p:txBody>
       </p:sp>
@@ -6464,23 +6891,513 @@
         </p:nvSpPr>
         <p:spPr/>
         <p:txBody>
-          <a:bodyPr/>
-          <a:lstStyle/>
-          <a:p>
+          <a:bodyPr>
+            <a:normAutofit/>
+          </a:bodyPr>
+          <a:lstStyle/>
+          <a:p>
+            <a:endParaRPr lang="zh-TW" altLang="en-US" sz="3200" dirty="0">
+              <a:latin typeface="微軟正黑體" panose="020B0604030504040204" pitchFamily="34" charset="-120"/>
+              <a:ea typeface="微軟正黑體" panose="020B0604030504040204" pitchFamily="34" charset="-120"/>
+            </a:endParaRPr>
+          </a:p>
+        </p:txBody>
+      </p:sp>
+      <p:pic>
+        <p:nvPicPr>
+          <p:cNvPr id="2050" name="Picture 2" descr="https://emos.plurk.com/59d86b662111041984eac3079962f307_w48_h48.gif"/>
+          <p:cNvPicPr>
+            <a:picLocks noChangeAspect="1" noChangeArrowheads="1" noCrop="1"/>
+          </p:cNvPicPr>
+          <p:nvPr/>
+        </p:nvPicPr>
+        <p:blipFill>
+          <a:blip r:embed="rId2">
+            <a:extLst>
+              <a:ext uri="{28A0092B-C50C-407E-A947-70E740481C1C}">
+                <a14:useLocalDpi xmlns:a14="http://schemas.microsoft.com/office/drawing/2010/main" val="0"/>
+              </a:ext>
+            </a:extLst>
+          </a:blip>
+          <a:srcRect/>
+          <a:stretch>
+            <a:fillRect/>
+          </a:stretch>
+        </p:blipFill>
+        <p:spPr bwMode="auto">
+          <a:xfrm>
+            <a:off x="9819503" y="0"/>
+            <a:ext cx="2372497" cy="2372497"/>
+          </a:xfrm>
+          <a:prstGeom prst="rect">
+            <a:avLst/>
+          </a:prstGeom>
+          <a:noFill/>
+          <a:extLst>
+            <a:ext uri="{909E8E84-426E-40DD-AFC4-6F175D3DCCD1}">
+              <a14:hiddenFill xmlns:a14="http://schemas.microsoft.com/office/drawing/2010/main">
+                <a:solidFill>
+                  <a:srgbClr val="FFFFFF"/>
+                </a:solidFill>
+              </a14:hiddenFill>
+            </a:ext>
+          </a:extLst>
+        </p:spPr>
+      </p:pic>
+      <p:sp>
+        <p:nvSpPr>
+          <p:cNvPr id="5" name="文字方塊 4"/>
+          <p:cNvSpPr txBox="1"/>
+          <p:nvPr/>
+        </p:nvSpPr>
+        <p:spPr>
+          <a:xfrm>
+            <a:off x="2438820" y="6078748"/>
+            <a:ext cx="2031325" cy="646331"/>
+          </a:xfrm>
+          <a:prstGeom prst="rect">
+            <a:avLst/>
+          </a:prstGeom>
+          <a:noFill/>
+        </p:spPr>
+        <p:txBody>
+          <a:bodyPr wrap="none" rtlCol="0">
+            <a:spAutoFit/>
+          </a:bodyPr>
+          <a:lstStyle/>
+          <a:p>
+            <a:r>
+              <a:rPr lang="zh-TW" altLang="en-US" sz="3600" b="1" dirty="0" smtClean="0">
+                <a:solidFill>
+                  <a:srgbClr val="FF0000"/>
+                </a:solidFill>
+                <a:latin typeface="微軟正黑體" panose="020B0604030504040204" pitchFamily="34" charset="-120"/>
+                <a:ea typeface="微軟正黑體" panose="020B0604030504040204" pitchFamily="34" charset="-120"/>
+              </a:rPr>
+              <a:t>這是網頁</a:t>
+            </a:r>
+            <a:endParaRPr lang="zh-TW" altLang="en-US" sz="3600" b="1" dirty="0">
+              <a:solidFill>
+                <a:srgbClr val="FF0000"/>
+              </a:solidFill>
+              <a:latin typeface="微軟正黑體" panose="020B0604030504040204" pitchFamily="34" charset="-120"/>
+              <a:ea typeface="微軟正黑體" panose="020B0604030504040204" pitchFamily="34" charset="-120"/>
+            </a:endParaRPr>
+          </a:p>
+        </p:txBody>
+      </p:sp>
+      <p:cxnSp>
+        <p:nvCxnSpPr>
+          <p:cNvPr id="7" name="直線單箭頭接點 6"/>
+          <p:cNvCxnSpPr/>
+          <p:nvPr/>
+        </p:nvCxnSpPr>
+        <p:spPr>
+          <a:xfrm flipV="1">
+            <a:off x="4470145" y="5791199"/>
+            <a:ext cx="864000" cy="276628"/>
+          </a:xfrm>
+          <a:prstGeom prst="straightConnector1">
+            <a:avLst/>
+          </a:prstGeom>
+          <a:ln>
+            <a:tailEnd type="triangle"/>
+          </a:ln>
+        </p:spPr>
+        <p:style>
+          <a:lnRef idx="1">
+            <a:schemeClr val="accent1"/>
+          </a:lnRef>
+          <a:fillRef idx="0">
+            <a:schemeClr val="accent1"/>
+          </a:fillRef>
+          <a:effectRef idx="0">
+            <a:schemeClr val="accent1"/>
+          </a:effectRef>
+          <a:fontRef idx="minor">
+            <a:schemeClr val="tx1"/>
+          </a:fontRef>
+        </p:style>
+      </p:cxnSp>
+      <p:pic>
+        <p:nvPicPr>
+          <p:cNvPr id="9" name="圖片 8"/>
+          <p:cNvPicPr>
+            <a:picLocks noChangeAspect="1"/>
+          </p:cNvPicPr>
+          <p:nvPr/>
+        </p:nvPicPr>
+        <p:blipFill>
+          <a:blip r:embed="rId3"/>
+          <a:stretch>
+            <a:fillRect/>
+          </a:stretch>
+        </p:blipFill>
+        <p:spPr>
+          <a:xfrm>
+            <a:off x="5389376" y="3031524"/>
+            <a:ext cx="6802624" cy="3826476"/>
+          </a:xfrm>
+          <a:prstGeom prst="rect">
+            <a:avLst/>
+          </a:prstGeom>
+        </p:spPr>
+      </p:pic>
+      <p:sp>
+        <p:nvSpPr>
+          <p:cNvPr id="11" name="橢圓 10"/>
+          <p:cNvSpPr/>
+          <p:nvPr/>
+        </p:nvSpPr>
+        <p:spPr>
+          <a:xfrm>
+            <a:off x="5239265" y="3245707"/>
+            <a:ext cx="724930" cy="263611"/>
+          </a:xfrm>
+          <a:prstGeom prst="ellipse">
+            <a:avLst/>
+          </a:prstGeom>
+          <a:noFill/>
+        </p:spPr>
+        <p:style>
+          <a:lnRef idx="2">
+            <a:schemeClr val="accent1">
+              <a:shade val="50000"/>
+            </a:schemeClr>
+          </a:lnRef>
+          <a:fillRef idx="1">
+            <a:schemeClr val="accent1"/>
+          </a:fillRef>
+          <a:effectRef idx="0">
+            <a:schemeClr val="accent1"/>
+          </a:effectRef>
+          <a:fontRef idx="minor">
+            <a:schemeClr val="lt1"/>
+          </a:fontRef>
+        </p:style>
+        <p:txBody>
+          <a:bodyPr rtlCol="0" anchor="ctr"/>
+          <a:lstStyle/>
+          <a:p>
+            <a:pPr algn="ctr"/>
             <a:endParaRPr lang="zh-TW" altLang="en-US"/>
+          </a:p>
+        </p:txBody>
+      </p:sp>
+      <p:sp>
+        <p:nvSpPr>
+          <p:cNvPr id="12" name="橢圓 11"/>
+          <p:cNvSpPr/>
+          <p:nvPr/>
+        </p:nvSpPr>
+        <p:spPr>
+          <a:xfrm>
+            <a:off x="708454" y="2367092"/>
+            <a:ext cx="4243402" cy="2649751"/>
+          </a:xfrm>
+          <a:prstGeom prst="ellipse">
+            <a:avLst/>
+          </a:prstGeom>
+          <a:noFill/>
+        </p:spPr>
+        <p:style>
+          <a:lnRef idx="2">
+            <a:schemeClr val="accent1">
+              <a:shade val="50000"/>
+            </a:schemeClr>
+          </a:lnRef>
+          <a:fillRef idx="1">
+            <a:schemeClr val="accent1"/>
+          </a:fillRef>
+          <a:effectRef idx="0">
+            <a:schemeClr val="accent1"/>
+          </a:effectRef>
+          <a:fontRef idx="minor">
+            <a:schemeClr val="lt1"/>
+          </a:fontRef>
+        </p:style>
+        <p:txBody>
+          <a:bodyPr rtlCol="0" anchor="ctr"/>
+          <a:lstStyle/>
+          <a:p>
+            <a:pPr algn="ctr"/>
+            <a:endParaRPr lang="zh-TW" altLang="en-US"/>
+          </a:p>
+        </p:txBody>
+      </p:sp>
+      <p:cxnSp>
+        <p:nvCxnSpPr>
+          <p:cNvPr id="16" name="直線接點 15"/>
+          <p:cNvCxnSpPr/>
+          <p:nvPr/>
+        </p:nvCxnSpPr>
+        <p:spPr>
+          <a:xfrm>
+            <a:off x="3756454" y="2504303"/>
+            <a:ext cx="1985319" cy="741404"/>
+          </a:xfrm>
+          <a:prstGeom prst="line">
+            <a:avLst/>
+          </a:prstGeom>
+        </p:spPr>
+        <p:style>
+          <a:lnRef idx="1">
+            <a:schemeClr val="accent1"/>
+          </a:lnRef>
+          <a:fillRef idx="0">
+            <a:schemeClr val="accent1"/>
+          </a:fillRef>
+          <a:effectRef idx="0">
+            <a:schemeClr val="accent1"/>
+          </a:effectRef>
+          <a:fontRef idx="minor">
+            <a:schemeClr val="tx1"/>
+          </a:fontRef>
+        </p:style>
+      </p:cxnSp>
+      <p:cxnSp>
+        <p:nvCxnSpPr>
+          <p:cNvPr id="18" name="直線接點 17"/>
+          <p:cNvCxnSpPr>
+            <a:stCxn id="12" idx="5"/>
+            <a:endCxn id="11" idx="5"/>
+          </p:cNvCxnSpPr>
+          <p:nvPr/>
+        </p:nvCxnSpPr>
+        <p:spPr>
+          <a:xfrm flipV="1">
+            <a:off x="4330424" y="3470713"/>
+            <a:ext cx="1527607" cy="1158083"/>
+          </a:xfrm>
+          <a:prstGeom prst="line">
+            <a:avLst/>
+          </a:prstGeom>
+        </p:spPr>
+        <p:style>
+          <a:lnRef idx="1">
+            <a:schemeClr val="accent1"/>
+          </a:lnRef>
+          <a:fillRef idx="0">
+            <a:schemeClr val="accent1"/>
+          </a:fillRef>
+          <a:effectRef idx="0">
+            <a:schemeClr val="accent1"/>
+          </a:effectRef>
+          <a:fontRef idx="minor">
+            <a:schemeClr val="tx1"/>
+          </a:fontRef>
+        </p:style>
+      </p:cxnSp>
+      <p:pic>
+        <p:nvPicPr>
+          <p:cNvPr id="19" name="圖片 18"/>
+          <p:cNvPicPr>
+            <a:picLocks noChangeAspect="1"/>
+          </p:cNvPicPr>
+          <p:nvPr/>
+        </p:nvPicPr>
+        <p:blipFill rotWithShape="1">
+          <a:blip r:embed="rId3"/>
+          <a:srcRect l="-391" t="6323" r="83766" b="83684"/>
+          <a:stretch/>
+        </p:blipFill>
+        <p:spPr>
+          <a:xfrm>
+            <a:off x="913774" y="3063818"/>
+            <a:ext cx="3629894" cy="1227305"/>
+          </a:xfrm>
+          <a:prstGeom prst="rect">
+            <a:avLst/>
+          </a:prstGeom>
+        </p:spPr>
+      </p:pic>
+      <p:sp>
+        <p:nvSpPr>
+          <p:cNvPr id="20" name="向右箭號 19"/>
+          <p:cNvSpPr/>
+          <p:nvPr/>
+        </p:nvSpPr>
+        <p:spPr>
+          <a:xfrm rot="3929152">
+            <a:off x="701866" y="2346634"/>
+            <a:ext cx="649923" cy="403449"/>
+          </a:xfrm>
+          <a:prstGeom prst="rightArrow">
+            <a:avLst>
+              <a:gd name="adj1" fmla="val 36632"/>
+              <a:gd name="adj2" fmla="val 85091"/>
+            </a:avLst>
+          </a:prstGeom>
+        </p:spPr>
+        <p:style>
+          <a:lnRef idx="2">
+            <a:schemeClr val="accent1">
+              <a:shade val="50000"/>
+            </a:schemeClr>
+          </a:lnRef>
+          <a:fillRef idx="1">
+            <a:schemeClr val="accent1"/>
+          </a:fillRef>
+          <a:effectRef idx="0">
+            <a:schemeClr val="accent1"/>
+          </a:effectRef>
+          <a:fontRef idx="minor">
+            <a:schemeClr val="lt1"/>
+          </a:fontRef>
+        </p:style>
+        <p:txBody>
+          <a:bodyPr rtlCol="0" anchor="ctr"/>
+          <a:lstStyle/>
+          <a:p>
+            <a:pPr algn="ctr"/>
+            <a:endParaRPr lang="zh-TW" altLang="en-US"/>
+          </a:p>
+        </p:txBody>
+      </p:sp>
+      <p:pic>
+        <p:nvPicPr>
+          <p:cNvPr id="1026" name="Picture 2" descr="http://www.wittmania.com/wp-content/uploads/2009/11/Facebook-Icon.jpg"/>
+          <p:cNvPicPr>
+            <a:picLocks noChangeAspect="1" noChangeArrowheads="1"/>
+          </p:cNvPicPr>
+          <p:nvPr/>
+        </p:nvPicPr>
+        <p:blipFill>
+          <a:blip r:embed="rId4" cstate="print">
+            <a:extLst>
+              <a:ext uri="{28A0092B-C50C-407E-A947-70E740481C1C}">
+                <a14:useLocalDpi xmlns:a14="http://schemas.microsoft.com/office/drawing/2010/main" val="0"/>
+              </a:ext>
+            </a:extLst>
+          </a:blip>
+          <a:srcRect/>
+          <a:stretch>
+            <a:fillRect/>
+          </a:stretch>
+        </p:blipFill>
+        <p:spPr bwMode="auto">
+          <a:xfrm>
+            <a:off x="165466" y="783744"/>
+            <a:ext cx="1430950" cy="1430950"/>
+          </a:xfrm>
+          <a:prstGeom prst="rect">
+            <a:avLst/>
+          </a:prstGeom>
+          <a:noFill/>
+          <a:extLst>
+            <a:ext uri="{909E8E84-426E-40DD-AFC4-6F175D3DCCD1}">
+              <a14:hiddenFill xmlns:a14="http://schemas.microsoft.com/office/drawing/2010/main">
+                <a:solidFill>
+                  <a:srgbClr val="FFFFFF"/>
+                </a:solidFill>
+              </a14:hiddenFill>
+            </a:ext>
+          </a:extLst>
+        </p:spPr>
+      </p:pic>
+      <p:sp>
+        <p:nvSpPr>
+          <p:cNvPr id="22" name="矩形 21"/>
+          <p:cNvSpPr/>
+          <p:nvPr/>
+        </p:nvSpPr>
+        <p:spPr>
+          <a:xfrm>
+            <a:off x="1699076" y="1592735"/>
+            <a:ext cx="2288038" cy="923330"/>
+          </a:xfrm>
+          <a:prstGeom prst="rect">
+            <a:avLst/>
+          </a:prstGeom>
+          <a:noFill/>
+        </p:spPr>
+        <p:txBody>
+          <a:bodyPr wrap="square" lIns="91440" tIns="45720" rIns="91440" bIns="45720">
+            <a:spAutoFit/>
+          </a:bodyPr>
+          <a:lstStyle/>
+          <a:p>
+            <a:pPr algn="ctr"/>
+            <a:r>
+              <a:rPr lang="zh-TW" altLang="en-US" sz="5400" b="1" cap="none" spc="0" dirty="0" smtClean="0">
+                <a:ln w="12700">
+                  <a:solidFill>
+                    <a:schemeClr val="accent1"/>
+                  </a:solidFill>
+                  <a:prstDash val="solid"/>
+                </a:ln>
+                <a:pattFill prst="pct50">
+                  <a:fgClr>
+                    <a:schemeClr val="accent1"/>
+                  </a:fgClr>
+                  <a:bgClr>
+                    <a:schemeClr val="accent1">
+                      <a:lumMod val="20000"/>
+                      <a:lumOff val="80000"/>
+                    </a:schemeClr>
+                  </a:bgClr>
+                </a:pattFill>
+                <a:effectLst>
+                  <a:outerShdw dist="38100" dir="2640000" algn="bl" rotWithShape="0">
+                    <a:schemeClr val="accent1"/>
+                  </a:outerShdw>
+                </a:effectLst>
+                <a:latin typeface="微軟正黑體" panose="020B0604030504040204" pitchFamily="34" charset="-120"/>
+                <a:ea typeface="微軟正黑體" panose="020B0604030504040204" pitchFamily="34" charset="-120"/>
+              </a:rPr>
+              <a:t>登入紐</a:t>
+            </a:r>
+            <a:endParaRPr lang="zh-TW" altLang="en-US" sz="5400" b="1" cap="none" spc="0" dirty="0">
+              <a:ln w="12700">
+                <a:solidFill>
+                  <a:schemeClr val="accent1"/>
+                </a:solidFill>
+                <a:prstDash val="solid"/>
+              </a:ln>
+              <a:pattFill prst="pct50">
+                <a:fgClr>
+                  <a:schemeClr val="accent1"/>
+                </a:fgClr>
+                <a:bgClr>
+                  <a:schemeClr val="accent1">
+                    <a:lumMod val="20000"/>
+                    <a:lumOff val="80000"/>
+                  </a:schemeClr>
+                </a:bgClr>
+              </a:pattFill>
+              <a:effectLst>
+                <a:outerShdw dist="38100" dir="2640000" algn="bl" rotWithShape="0">
+                  <a:schemeClr val="accent1"/>
+                </a:outerShdw>
+              </a:effectLst>
+              <a:latin typeface="微軟正黑體" panose="020B0604030504040204" pitchFamily="34" charset="-120"/>
+              <a:ea typeface="微軟正黑體" panose="020B0604030504040204" pitchFamily="34" charset="-120"/>
+            </a:endParaRPr>
           </a:p>
         </p:txBody>
       </p:sp>
     </p:spTree>
     <p:extLst>
       <p:ext uri="{BB962C8B-B14F-4D97-AF65-F5344CB8AC3E}">
-        <p14:creationId xmlns:p14="http://schemas.microsoft.com/office/powerpoint/2010/main" val="310806778"/>
+        <p14:creationId xmlns:p14="http://schemas.microsoft.com/office/powerpoint/2010/main" val="4247783812"/>
       </p:ext>
     </p:extLst>
   </p:cSld>
   <p:clrMapOvr>
     <a:masterClrMapping/>
   </p:clrMapOvr>
+  <mc:AlternateContent xmlns:mc="http://schemas.openxmlformats.org/markup-compatibility/2006">
+    <mc:Choice xmlns:p14="http://schemas.microsoft.com/office/powerpoint/2010/main" Requires="p14">
+      <p:transition spd="slow" p14:dur="2000">
+        <p14:vortex dir="r"/>
+      </p:transition>
+    </mc:Choice>
+    <mc:Fallback>
+      <p:transition spd="slow">
+        <p:fade/>
+      </p:transition>
+    </mc:Fallback>
+  </mc:AlternateContent>
   <p:timing>
     <p:tnLst>
       <p:par>
@@ -6520,95 +7437,131 @@
         </p:nvSpPr>
         <p:spPr/>
         <p:txBody>
-          <a:bodyPr>
-            <a:normAutofit/>
-          </a:bodyPr>
-          <a:lstStyle/>
-          <a:p>
-            <a:r>
-              <a:rPr lang="zh-TW" altLang="en-US" sz="8000" dirty="0" smtClean="0">
+          <a:bodyPr/>
+          <a:lstStyle/>
+          <a:p>
+            <a:r>
+              <a:rPr lang="zh-TW" altLang="en-US" sz="8000" dirty="0">
+                <a:solidFill>
+                  <a:prstClr val="black"/>
+                </a:solidFill>
                 <a:latin typeface="標楷體" panose="03000509000000000000" pitchFamily="65" charset="-120"/>
                 <a:ea typeface="標楷體" panose="03000509000000000000" pitchFamily="65" charset="-120"/>
               </a:rPr>
               <a:t>運作方式</a:t>
             </a:r>
-            <a:endParaRPr lang="zh-TW" altLang="en-US" sz="8000" dirty="0">
-              <a:latin typeface="標楷體" panose="03000509000000000000" pitchFamily="65" charset="-120"/>
-              <a:ea typeface="標楷體" panose="03000509000000000000" pitchFamily="65" charset="-120"/>
+            <a:endParaRPr lang="zh-TW" altLang="en-US" dirty="0"/>
+          </a:p>
+        </p:txBody>
+      </p:sp>
+      <p:sp>
+        <p:nvSpPr>
+          <p:cNvPr id="3" name="內容版面配置區 2"/>
+          <p:cNvSpPr>
+            <a:spLocks noGrp="1"/>
+          </p:cNvSpPr>
+          <p:nvPr>
+            <p:ph sz="quarter" idx="13"/>
+          </p:nvPr>
+        </p:nvSpPr>
+        <p:spPr>
+          <a:xfrm rot="20233819">
+            <a:off x="913774" y="2367092"/>
+            <a:ext cx="10363826" cy="3424107"/>
+          </a:xfrm>
+        </p:spPr>
+        <p:txBody>
+          <a:bodyPr>
+            <a:normAutofit/>
+          </a:bodyPr>
+          <a:lstStyle/>
+          <a:p>
+            <a:pPr marL="0" indent="0">
+              <a:buNone/>
+            </a:pPr>
+            <a:r>
+              <a:rPr lang="zh-TW" altLang="en-US" sz="3600" b="1" dirty="0" smtClean="0">
+                <a:latin typeface="微軟正黑體" panose="020B0604030504040204" pitchFamily="34" charset="-120"/>
+                <a:ea typeface="微軟正黑體" panose="020B0604030504040204" pitchFamily="34" charset="-120"/>
+              </a:rPr>
+              <a:t>  登入之後就可以</a:t>
+            </a:r>
+            <a:endParaRPr lang="en-US" altLang="zh-TW" sz="3600" b="1" dirty="0" smtClean="0">
+              <a:latin typeface="微軟正黑體" panose="020B0604030504040204" pitchFamily="34" charset="-120"/>
+              <a:ea typeface="微軟正黑體" panose="020B0604030504040204" pitchFamily="34" charset="-120"/>
             </a:endParaRPr>
           </a:p>
-        </p:txBody>
-      </p:sp>
-      <p:sp>
-        <p:nvSpPr>
-          <p:cNvPr id="3" name="內容版面配置區 2"/>
-          <p:cNvSpPr>
-            <a:spLocks noGrp="1"/>
-          </p:cNvSpPr>
-          <p:nvPr>
-            <p:ph sz="quarter" idx="13"/>
-          </p:nvPr>
-        </p:nvSpPr>
-        <p:spPr/>
-        <p:txBody>
-          <a:bodyPr/>
-          <a:lstStyle/>
-          <a:p>
-            <a:endParaRPr lang="zh-TW" altLang="en-US" dirty="0"/>
+          <a:p>
+            <a:pPr marL="0" indent="0">
+              <a:buNone/>
+            </a:pPr>
+            <a:r>
+              <a:rPr lang="zh-TW" altLang="en-US" sz="3600" b="1" dirty="0" smtClean="0">
+                <a:latin typeface="微軟正黑體" panose="020B0604030504040204" pitchFamily="34" charset="-120"/>
+                <a:ea typeface="微軟正黑體" panose="020B0604030504040204" pitchFamily="34" charset="-120"/>
+              </a:rPr>
+              <a:t>輸入發票號碼</a:t>
+            </a:r>
+            <a:r>
+              <a:rPr lang="zh-TW" altLang="en-US" sz="3600" b="1" dirty="0">
+                <a:latin typeface="微軟正黑體" panose="020B0604030504040204" pitchFamily="34" charset="-120"/>
+                <a:ea typeface="微軟正黑體" panose="020B0604030504040204" pitchFamily="34" charset="-120"/>
+              </a:rPr>
+              <a:t>了</a:t>
+            </a:r>
+            <a:endParaRPr lang="zh-TW" altLang="en-US" sz="3600" b="1" dirty="0">
+              <a:latin typeface="微軟正黑體" panose="020B0604030504040204" pitchFamily="34" charset="-120"/>
+              <a:ea typeface="微軟正黑體" panose="020B0604030504040204" pitchFamily="34" charset="-120"/>
+            </a:endParaRPr>
           </a:p>
         </p:txBody>
       </p:sp>
       <p:pic>
         <p:nvPicPr>
-          <p:cNvPr id="2050" name="Picture 2" descr="https://emos.plurk.com/59d86b662111041984eac3079962f307_w48_h48.gif"/>
+          <p:cNvPr id="4" name="圖片 3"/>
           <p:cNvPicPr>
-            <a:picLocks noChangeAspect="1" noChangeArrowheads="1" noCrop="1"/>
+            <a:picLocks noChangeAspect="1"/>
           </p:cNvPicPr>
           <p:nvPr/>
         </p:nvPicPr>
         <p:blipFill>
-          <a:blip r:embed="rId2">
-            <a:extLst>
-              <a:ext uri="{28A0092B-C50C-407E-A947-70E740481C1C}">
-                <a14:useLocalDpi xmlns:a14="http://schemas.microsoft.com/office/drawing/2010/main" val="0"/>
-              </a:ext>
-            </a:extLst>
-          </a:blip>
-          <a:srcRect/>
+          <a:blip r:embed="rId2"/>
           <a:stretch>
             <a:fillRect/>
           </a:stretch>
         </p:blipFill>
-        <p:spPr bwMode="auto">
-          <a:xfrm>
-            <a:off x="-1" y="5383427"/>
-            <a:ext cx="1474573" cy="1474573"/>
+        <p:spPr>
+          <a:xfrm>
+            <a:off x="4208165" y="2367093"/>
+            <a:ext cx="7983836" cy="4490908"/>
           </a:xfrm>
           <a:prstGeom prst="rect">
             <a:avLst/>
           </a:prstGeom>
-          <a:noFill/>
-          <a:extLst>
-            <a:ext uri="{909E8E84-426E-40DD-AFC4-6F175D3DCCD1}">
-              <a14:hiddenFill xmlns:a14="http://schemas.microsoft.com/office/drawing/2010/main">
-                <a:solidFill>
-                  <a:srgbClr val="FFFFFF"/>
-                </a:solidFill>
-              </a14:hiddenFill>
-            </a:ext>
-          </a:extLst>
         </p:spPr>
       </p:pic>
     </p:spTree>
     <p:extLst>
       <p:ext uri="{BB962C8B-B14F-4D97-AF65-F5344CB8AC3E}">
-        <p14:creationId xmlns:p14="http://schemas.microsoft.com/office/powerpoint/2010/main" val="4247783812"/>
+        <p14:creationId xmlns:p14="http://schemas.microsoft.com/office/powerpoint/2010/main" val="310806778"/>
       </p:ext>
     </p:extLst>
   </p:cSld>
   <p:clrMapOvr>
     <a:masterClrMapping/>
   </p:clrMapOvr>
+  <mc:AlternateContent xmlns:mc="http://schemas.openxmlformats.org/markup-compatibility/2006">
+    <mc:Choice xmlns:p14="http://schemas.microsoft.com/office/powerpoint/2010/main" Requires="p14">
+      <p:transition spd="slow" p14:dur="2000">
+        <p14:vortex dir="r"/>
+      </p:transition>
+    </mc:Choice>
+    <mc:Fallback>
+      <p:transition spd="slow">
+        <p:fade/>
+      </p:transition>
+    </mc:Fallback>
+  </mc:AlternateContent>
   <p:timing>
     <p:tnLst>
       <p:par>
@@ -6651,7 +7604,17 @@
           <a:bodyPr/>
           <a:lstStyle/>
           <a:p>
-            <a:endParaRPr lang="zh-TW" altLang="en-US"/>
+            <a:r>
+              <a:rPr lang="zh-TW" altLang="en-US" sz="8000" dirty="0">
+                <a:solidFill>
+                  <a:prstClr val="black"/>
+                </a:solidFill>
+                <a:latin typeface="標楷體" panose="03000509000000000000" pitchFamily="65" charset="-120"/>
+                <a:ea typeface="標楷體" panose="03000509000000000000" pitchFamily="65" charset="-120"/>
+              </a:rPr>
+              <a:t>運作方式</a:t>
+            </a:r>
+            <a:endParaRPr lang="zh-TW" altLang="en-US" dirty="0"/>
           </a:p>
         </p:txBody>
       </p:sp>
@@ -6670,7 +7633,7 @@
           <a:bodyPr/>
           <a:lstStyle/>
           <a:p>
-            <a:endParaRPr lang="zh-TW" altLang="en-US"/>
+            <a:endParaRPr lang="zh-TW" altLang="en-US" dirty="0"/>
           </a:p>
         </p:txBody>
       </p:sp>
@@ -6684,12 +7647,103 @@
   <p:clrMapOvr>
     <a:masterClrMapping/>
   </p:clrMapOvr>
+  <mc:AlternateContent xmlns:mc="http://schemas.openxmlformats.org/markup-compatibility/2006">
+    <mc:Choice xmlns:p14="http://schemas.microsoft.com/office/powerpoint/2010/main" Requires="p14">
+      <p:transition spd="slow" p14:dur="2000">
+        <p14:vortex dir="r"/>
+      </p:transition>
+    </mc:Choice>
+    <mc:Fallback>
+      <p:transition spd="slow">
+        <p:fade/>
+      </p:transition>
+    </mc:Fallback>
+  </mc:AlternateContent>
   <p:timing>
     <p:tnLst>
       <p:par>
-        <p:cTn id="1" dur="indefinite" restart="never" nodeType="tmRoot"/>
+        <p:cTn id="1" dur="indefinite" restart="never" nodeType="tmRoot">
+          <p:childTnLst>
+            <p:seq concurrent="1" nextAc="seek">
+              <p:cTn id="2" dur="indefinite" nodeType="mainSeq">
+                <p:childTnLst>
+                  <p:par>
+                    <p:cTn id="3" fill="hold">
+                      <p:stCondLst>
+                        <p:cond delay="indefinite"/>
+                      </p:stCondLst>
+                      <p:childTnLst>
+                        <p:par>
+                          <p:cTn id="4" fill="hold">
+                            <p:stCondLst>
+                              <p:cond delay="0"/>
+                            </p:stCondLst>
+                            <p:childTnLst>
+                              <p:par>
+                                <p:cTn id="5" presetID="14" presetClass="entr" presetSubtype="10" fill="hold" grpId="0" nodeType="clickEffect">
+                                  <p:stCondLst>
+                                    <p:cond delay="0"/>
+                                  </p:stCondLst>
+                                  <p:childTnLst>
+                                    <p:set>
+                                      <p:cBhvr>
+                                        <p:cTn id="6" dur="1" fill="hold">
+                                          <p:stCondLst>
+                                            <p:cond delay="0"/>
+                                          </p:stCondLst>
+                                        </p:cTn>
+                                        <p:tgtEl>
+                                          <p:spTgt spid="2"/>
+                                        </p:tgtEl>
+                                        <p:attrNameLst>
+                                          <p:attrName>style.visibility</p:attrName>
+                                        </p:attrNameLst>
+                                      </p:cBhvr>
+                                      <p:to>
+                                        <p:strVal val="visible"/>
+                                      </p:to>
+                                    </p:set>
+                                    <p:animEffect transition="in" filter="randombar(horizontal)">
+                                      <p:cBhvr>
+                                        <p:cTn id="7" dur="500"/>
+                                        <p:tgtEl>
+                                          <p:spTgt spid="2"/>
+                                        </p:tgtEl>
+                                      </p:cBhvr>
+                                    </p:animEffect>
+                                  </p:childTnLst>
+                                </p:cTn>
+                              </p:par>
+                            </p:childTnLst>
+                          </p:cTn>
+                        </p:par>
+                      </p:childTnLst>
+                    </p:cTn>
+                  </p:par>
+                </p:childTnLst>
+              </p:cTn>
+              <p:prevCondLst>
+                <p:cond evt="onPrev" delay="0">
+                  <p:tgtEl>
+                    <p:sldTgt/>
+                  </p:tgtEl>
+                </p:cond>
+              </p:prevCondLst>
+              <p:nextCondLst>
+                <p:cond evt="onNext" delay="0">
+                  <p:tgtEl>
+                    <p:sldTgt/>
+                  </p:tgtEl>
+                </p:cond>
+              </p:nextCondLst>
+            </p:seq>
+          </p:childTnLst>
+        </p:cTn>
       </p:par>
     </p:tnLst>
+    <p:bldLst>
+      <p:bldP spid="2" grpId="0"/>
+    </p:bldLst>
   </p:timing>
 </p:sld>
 </file>
